--- a/Storytelling_DS2.pptx
+++ b/Storytelling_DS2.pptx
@@ -9,25 +9,36 @@
     <p:sldId id="257" r:id="rId7"/>
     <p:sldId id="258" r:id="rId8"/>
     <p:sldId id="259" r:id="rId9"/>
+    <p:sldId id="260" r:id="rId10"/>
+    <p:sldId id="261" r:id="rId11"/>
+    <p:sldId id="262" r:id="rId12"/>
   </p:sldIdLst>
   <p:sldSz cx="18288000" cy="10287000"/>
   <p:notesSz cx="6858000" cy="9144000"/>
   <p:embeddedFontLst>
     <p:embeddedFont>
       <p:font typeface="Oswald Bold" charset="1" panose="00000800000000000000"/>
-      <p:regular r:id="rId10"/>
+      <p:regular r:id="rId13"/>
     </p:embeddedFont>
     <p:embeddedFont>
       <p:font typeface="Montserrat Classic" charset="1" panose="00000500000000000000"/>
-      <p:regular r:id="rId11"/>
+      <p:regular r:id="rId14"/>
     </p:embeddedFont>
     <p:embeddedFont>
       <p:font typeface="DM Sans" charset="1" panose="00000000000000000000"/>
-      <p:regular r:id="rId12"/>
+      <p:regular r:id="rId15"/>
+    </p:embeddedFont>
+    <p:embeddedFont>
+      <p:font typeface="Open Sauce" charset="1" panose="00000500000000000000"/>
+      <p:regular r:id="rId16"/>
     </p:embeddedFont>
     <p:embeddedFont>
       <p:font typeface="DM Sans Italics" charset="1" panose="00000000000000000000"/>
-      <p:regular r:id="rId13"/>
+      <p:regular r:id="rId17"/>
+    </p:embeddedFont>
+    <p:embeddedFont>
+      <p:font typeface="Oswald" charset="1" panose="00000500000000000000"/>
+      <p:regular r:id="rId18"/>
     </p:embeddedFont>
   </p:embeddedFontLst>
   <p:defaultTextStyle>
@@ -3577,10 +3588,10 @@
         </p:nvGrpSpPr>
         <p:grpSpPr>
           <a:xfrm rot="0">
-            <a:off x="5019320" y="2901697"/>
-            <a:ext cx="1400485" cy="5827634"/>
+            <a:off x="5019320" y="3051654"/>
+            <a:ext cx="1400485" cy="5677677"/>
             <a:chOff x="0" y="0"/>
-            <a:chExt cx="368852" cy="1534850"/>
+            <a:chExt cx="368852" cy="1495355"/>
           </a:xfrm>
         </p:grpSpPr>
         <p:sp>
@@ -3592,7 +3603,7 @@
           <p:spPr>
             <a:xfrm flipH="false" flipV="false" rot="0">
               <a:off x="0" y="0"/>
-              <a:ext cx="368852" cy="1534850"/>
+              <a:ext cx="368852" cy="1495355"/>
             </a:xfrm>
             <a:custGeom>
               <a:avLst/>
@@ -3601,7 +3612,7 @@
               <a:cxnLst/>
               <a:rect r="r" b="b" t="t" l="l"/>
               <a:pathLst>
-                <a:path h="1534850" w="368852">
+                <a:path h="1495355" w="368852">
                   <a:moveTo>
                     <a:pt x="0" y="0"/>
                   </a:moveTo>
@@ -3609,10 +3620,10 @@
                     <a:pt x="368852" y="0"/>
                   </a:lnTo>
                   <a:lnTo>
-                    <a:pt x="368852" y="1534850"/>
+                    <a:pt x="368852" y="1495355"/>
                   </a:lnTo>
                   <a:lnTo>
-                    <a:pt x="0" y="1534850"/>
+                    <a:pt x="0" y="1495355"/>
                   </a:lnTo>
                   <a:close/>
                 </a:path>
@@ -3632,7 +3643,7 @@
           <p:spPr>
             <a:xfrm>
               <a:off x="0" y="-19050"/>
-              <a:ext cx="368852" cy="1553900"/>
+              <a:ext cx="368852" cy="1514405"/>
             </a:xfrm>
             <a:prstGeom prst="rect">
               <a:avLst/>
@@ -3793,7 +3804,7 @@
         </p:nvSpPr>
         <p:spPr>
           <a:xfrm rot="0">
-            <a:off x="5265729" y="4691099"/>
+            <a:off x="5265729" y="4387235"/>
             <a:ext cx="937219" cy="657225"/>
           </a:xfrm>
           <a:prstGeom prst="rect">
@@ -3834,48 +3845,7 @@
         </p:nvSpPr>
         <p:spPr>
           <a:xfrm rot="0">
-            <a:off x="5231353" y="6157949"/>
-            <a:ext cx="937219" cy="657225"/>
-          </a:xfrm>
-          <a:prstGeom prst="rect">
-            <a:avLst/>
-          </a:prstGeom>
-        </p:spPr>
-        <p:txBody>
-          <a:bodyPr anchor="t" rtlCol="false" tIns="0" lIns="0" bIns="0" rIns="0">
-            <a:spAutoFit/>
-          </a:bodyPr>
-          <a:lstStyle/>
-          <a:p>
-            <a:pPr algn="ctr">
-              <a:lnSpc>
-                <a:spcPts val="5126"/>
-              </a:lnSpc>
-            </a:pPr>
-            <a:r>
-              <a:rPr lang="en-US" b="true" sz="4271" i="true">
-                <a:solidFill>
-                  <a:srgbClr val="363636"/>
-                </a:solidFill>
-                <a:latin typeface="Oswald Bold"/>
-                <a:ea typeface="Oswald Bold"/>
-                <a:cs typeface="Oswald Bold"/>
-                <a:sym typeface="Oswald Bold"/>
-              </a:rPr>
-              <a:t>03</a:t>
-            </a:r>
-          </a:p>
-        </p:txBody>
-      </p:sp>
-      <p:sp>
-        <p:nvSpPr>
-          <p:cNvPr name="TextBox 11" id="11"/>
-          <p:cNvSpPr txBox="true"/>
-          <p:nvPr/>
-        </p:nvSpPr>
-        <p:spPr>
-          <a:xfrm rot="0">
-            <a:off x="5231353" y="7624799"/>
+            <a:off x="5265729" y="6715629"/>
             <a:ext cx="937219" cy="657225"/>
           </a:xfrm>
           <a:prstGeom prst="rect">
@@ -3910,6 +3880,47 @@
       </p:sp>
       <p:sp>
         <p:nvSpPr>
+          <p:cNvPr name="TextBox 11" id="11"/>
+          <p:cNvSpPr txBox="true"/>
+          <p:nvPr/>
+        </p:nvSpPr>
+        <p:spPr>
+          <a:xfrm rot="0">
+            <a:off x="5231353" y="7877679"/>
+            <a:ext cx="937219" cy="657225"/>
+          </a:xfrm>
+          <a:prstGeom prst="rect">
+            <a:avLst/>
+          </a:prstGeom>
+        </p:spPr>
+        <p:txBody>
+          <a:bodyPr anchor="t" rtlCol="false" tIns="0" lIns="0" bIns="0" rIns="0">
+            <a:spAutoFit/>
+          </a:bodyPr>
+          <a:lstStyle/>
+          <a:p>
+            <a:pPr algn="ctr">
+              <a:lnSpc>
+                <a:spcPts val="5126"/>
+              </a:lnSpc>
+            </a:pPr>
+            <a:r>
+              <a:rPr lang="en-US" b="true" sz="4271" i="true">
+                <a:solidFill>
+                  <a:srgbClr val="363636"/>
+                </a:solidFill>
+                <a:latin typeface="Oswald Bold"/>
+                <a:ea typeface="Oswald Bold"/>
+                <a:cs typeface="Oswald Bold"/>
+                <a:sym typeface="Oswald Bold"/>
+              </a:rPr>
+              <a:t>05</a:t>
+            </a:r>
+          </a:p>
+        </p:txBody>
+      </p:sp>
+      <p:sp>
+        <p:nvSpPr>
           <p:cNvPr name="TextBox 12" id="12"/>
           <p:cNvSpPr txBox="true"/>
           <p:nvPr/>
@@ -3957,8 +3968,8 @@
         </p:nvSpPr>
         <p:spPr>
           <a:xfrm rot="0">
-            <a:off x="6641807" y="4796150"/>
-            <a:ext cx="6380464" cy="856698"/>
+            <a:off x="6641807" y="4492285"/>
+            <a:ext cx="6380464" cy="418548"/>
           </a:xfrm>
           <a:prstGeom prst="rect">
             <a:avLst/>
@@ -3988,13 +3999,6 @@
               <a:t>HIPÓTESIS/PREGUNTAS DE INTERÉS</a:t>
             </a:r>
           </a:p>
-          <a:p>
-            <a:pPr algn="l">
-              <a:lnSpc>
-                <a:spcPts val="3483"/>
-              </a:lnSpc>
-            </a:pPr>
-          </a:p>
         </p:txBody>
       </p:sp>
       <p:sp>
@@ -4005,7 +4009,7 @@
         </p:nvSpPr>
         <p:spPr>
           <a:xfrm rot="0">
-            <a:off x="6607430" y="6263000"/>
+            <a:off x="6641807" y="6820680"/>
             <a:ext cx="5790503" cy="418548"/>
           </a:xfrm>
           <a:prstGeom prst="rect">
@@ -4049,7 +4053,7 @@
         </p:nvSpPr>
         <p:spPr>
           <a:xfrm rot="0">
-            <a:off x="6607430" y="7729850"/>
+            <a:off x="6607430" y="7982730"/>
             <a:ext cx="6076629" cy="418548"/>
           </a:xfrm>
           <a:prstGeom prst="rect">
@@ -4081,6 +4085,88 @@
                 <a:sym typeface="DM Sans"/>
               </a:rPr>
               <a:t>INSIGHTS Y RECOMENDACIONES</a:t>
+            </a:r>
+          </a:p>
+        </p:txBody>
+      </p:sp>
+      <p:sp>
+        <p:nvSpPr>
+          <p:cNvPr name="TextBox 16" id="16"/>
+          <p:cNvSpPr txBox="true"/>
+          <p:nvPr/>
+        </p:nvSpPr>
+        <p:spPr>
+          <a:xfrm rot="0">
+            <a:off x="5231353" y="5553579"/>
+            <a:ext cx="937219" cy="657225"/>
+          </a:xfrm>
+          <a:prstGeom prst="rect">
+            <a:avLst/>
+          </a:prstGeom>
+        </p:spPr>
+        <p:txBody>
+          <a:bodyPr anchor="t" rtlCol="false" tIns="0" lIns="0" bIns="0" rIns="0">
+            <a:spAutoFit/>
+          </a:bodyPr>
+          <a:lstStyle/>
+          <a:p>
+            <a:pPr algn="ctr">
+              <a:lnSpc>
+                <a:spcPts val="5126"/>
+              </a:lnSpc>
+            </a:pPr>
+            <a:r>
+              <a:rPr lang="en-US" b="true" sz="4271" i="true">
+                <a:solidFill>
+                  <a:srgbClr val="363636"/>
+                </a:solidFill>
+                <a:latin typeface="Oswald Bold"/>
+                <a:ea typeface="Oswald Bold"/>
+                <a:cs typeface="Oswald Bold"/>
+                <a:sym typeface="Oswald Bold"/>
+              </a:rPr>
+              <a:t>03</a:t>
+            </a:r>
+          </a:p>
+        </p:txBody>
+      </p:sp>
+      <p:sp>
+        <p:nvSpPr>
+          <p:cNvPr name="TextBox 17" id="17"/>
+          <p:cNvSpPr txBox="true"/>
+          <p:nvPr/>
+        </p:nvSpPr>
+        <p:spPr>
+          <a:xfrm rot="0">
+            <a:off x="6607430" y="5658630"/>
+            <a:ext cx="6380464" cy="418548"/>
+          </a:xfrm>
+          <a:prstGeom prst="rect">
+            <a:avLst/>
+          </a:prstGeom>
+        </p:spPr>
+        <p:txBody>
+          <a:bodyPr anchor="t" rtlCol="false" tIns="0" lIns="0" bIns="0" rIns="0">
+            <a:spAutoFit/>
+          </a:bodyPr>
+          <a:lstStyle/>
+          <a:p>
+            <a:pPr algn="l">
+              <a:lnSpc>
+                <a:spcPts val="3483"/>
+              </a:lnSpc>
+            </a:pPr>
+            <a:r>
+              <a:rPr lang="en-US" sz="2524" spc="247">
+                <a:solidFill>
+                  <a:srgbClr val="231F20"/>
+                </a:solidFill>
+                <a:latin typeface="DM Sans"/>
+                <a:ea typeface="DM Sans"/>
+                <a:cs typeface="DM Sans"/>
+                <a:sym typeface="DM Sans"/>
+              </a:rPr>
+              <a:t>RESUMEN DE METADATA</a:t>
             </a:r>
           </a:p>
         </p:txBody>
@@ -5084,6 +5170,1208 @@
 <file path=ppt/slides/slide4.xml><?xml version="1.0" encoding="utf-8"?>
 <p:sld xmlns:p="http://schemas.openxmlformats.org/presentationml/2006/main" xmlns:a="http://schemas.openxmlformats.org/drawingml/2006/main" xmlns:r="http://schemas.openxmlformats.org/officeDocument/2006/relationships">
   <p:cSld>
+    <p:spTree>
+      <p:nvGrpSpPr>
+        <p:cNvPr id="1" name=""/>
+        <p:cNvGrpSpPr/>
+        <p:nvPr/>
+      </p:nvGrpSpPr>
+      <p:grpSpPr>
+        <a:xfrm>
+          <a:off x="0" y="0"/>
+          <a:ext cx="0" cy="0"/>
+          <a:chOff x="0" y="0"/>
+          <a:chExt cx="0" cy="0"/>
+        </a:xfrm>
+      </p:grpSpPr>
+      <p:sp>
+        <p:nvSpPr>
+          <p:cNvPr name="Freeform 2" id="2"/>
+          <p:cNvSpPr/>
+          <p:nvPr/>
+        </p:nvSpPr>
+        <p:spPr>
+          <a:xfrm flipH="true" flipV="true" rot="0">
+            <a:off x="0" y="0"/>
+            <a:ext cx="18288000" cy="10287000"/>
+          </a:xfrm>
+          <a:custGeom>
+            <a:avLst/>
+            <a:gdLst/>
+            <a:ahLst/>
+            <a:cxnLst/>
+            <a:rect r="r" b="b" t="t" l="l"/>
+            <a:pathLst>
+              <a:path h="10287000" w="18288000">
+                <a:moveTo>
+                  <a:pt x="18288000" y="10287000"/>
+                </a:moveTo>
+                <a:lnTo>
+                  <a:pt x="0" y="10287000"/>
+                </a:lnTo>
+                <a:lnTo>
+                  <a:pt x="0" y="0"/>
+                </a:lnTo>
+                <a:lnTo>
+                  <a:pt x="18288000" y="0"/>
+                </a:lnTo>
+                <a:lnTo>
+                  <a:pt x="18288000" y="10287000"/>
+                </a:lnTo>
+                <a:close/>
+              </a:path>
+            </a:pathLst>
+          </a:custGeom>
+          <a:blipFill>
+            <a:blip r:embed="rId2"/>
+            <a:stretch>
+              <a:fillRect l="0" t="-38888" r="0" b="-38888"/>
+            </a:stretch>
+          </a:blipFill>
+        </p:spPr>
+      </p:sp>
+      <p:grpSp>
+        <p:nvGrpSpPr>
+          <p:cNvPr name="Group 3" id="3"/>
+          <p:cNvGrpSpPr/>
+          <p:nvPr/>
+        </p:nvGrpSpPr>
+        <p:grpSpPr>
+          <a:xfrm rot="0">
+            <a:off x="0" y="0"/>
+            <a:ext cx="18288000" cy="1974455"/>
+            <a:chOff x="0" y="0"/>
+            <a:chExt cx="4816593" cy="520021"/>
+          </a:xfrm>
+        </p:grpSpPr>
+        <p:sp>
+          <p:nvSpPr>
+            <p:cNvPr name="Freeform 4" id="4"/>
+            <p:cNvSpPr/>
+            <p:nvPr/>
+          </p:nvSpPr>
+          <p:spPr>
+            <a:xfrm flipH="false" flipV="false" rot="0">
+              <a:off x="0" y="0"/>
+              <a:ext cx="4816592" cy="520021"/>
+            </a:xfrm>
+            <a:custGeom>
+              <a:avLst/>
+              <a:gdLst/>
+              <a:ahLst/>
+              <a:cxnLst/>
+              <a:rect r="r" b="b" t="t" l="l"/>
+              <a:pathLst>
+                <a:path h="520021" w="4816592">
+                  <a:moveTo>
+                    <a:pt x="0" y="0"/>
+                  </a:moveTo>
+                  <a:lnTo>
+                    <a:pt x="4816592" y="0"/>
+                  </a:lnTo>
+                  <a:lnTo>
+                    <a:pt x="4816592" y="520021"/>
+                  </a:lnTo>
+                  <a:lnTo>
+                    <a:pt x="0" y="520021"/>
+                  </a:lnTo>
+                  <a:close/>
+                </a:path>
+              </a:pathLst>
+            </a:custGeom>
+            <a:solidFill>
+              <a:srgbClr val="1A1A1A"/>
+            </a:solidFill>
+          </p:spPr>
+        </p:sp>
+        <p:sp>
+          <p:nvSpPr>
+            <p:cNvPr name="TextBox 5" id="5"/>
+            <p:cNvSpPr txBox="true"/>
+            <p:nvPr/>
+          </p:nvSpPr>
+          <p:spPr>
+            <a:xfrm>
+              <a:off x="0" y="-19050"/>
+              <a:ext cx="4816593" cy="539071"/>
+            </a:xfrm>
+            <a:prstGeom prst="rect">
+              <a:avLst/>
+            </a:prstGeom>
+          </p:spPr>
+          <p:txBody>
+            <a:bodyPr anchor="ctr" rtlCol="false" tIns="50800" lIns="50800" bIns="50800" rIns="50800"/>
+            <a:lstStyle/>
+            <a:p>
+              <a:pPr algn="ctr">
+                <a:lnSpc>
+                  <a:spcPts val="2859"/>
+                </a:lnSpc>
+              </a:pPr>
+            </a:p>
+          </p:txBody>
+        </p:sp>
+      </p:grpSp>
+      <p:sp>
+        <p:nvSpPr>
+          <p:cNvPr name="Freeform 6" id="6"/>
+          <p:cNvSpPr/>
+          <p:nvPr/>
+        </p:nvSpPr>
+        <p:spPr>
+          <a:xfrm flipH="false" flipV="false" rot="0">
+            <a:off x="13451022" y="-4729397"/>
+            <a:ext cx="7616557" cy="7815497"/>
+          </a:xfrm>
+          <a:custGeom>
+            <a:avLst/>
+            <a:gdLst/>
+            <a:ahLst/>
+            <a:cxnLst/>
+            <a:rect r="r" b="b" t="t" l="l"/>
+            <a:pathLst>
+              <a:path h="7815497" w="7616557">
+                <a:moveTo>
+                  <a:pt x="0" y="0"/>
+                </a:moveTo>
+                <a:lnTo>
+                  <a:pt x="7616556" y="0"/>
+                </a:lnTo>
+                <a:lnTo>
+                  <a:pt x="7616556" y="7815497"/>
+                </a:lnTo>
+                <a:lnTo>
+                  <a:pt x="0" y="7815497"/>
+                </a:lnTo>
+                <a:lnTo>
+                  <a:pt x="0" y="0"/>
+                </a:lnTo>
+                <a:close/>
+              </a:path>
+            </a:pathLst>
+          </a:custGeom>
+          <a:blipFill>
+            <a:blip r:embed="rId3">
+              <a:extLst>
+                <a:ext uri="{96DAC541-7B7A-43D3-8B79-37D633B846F1}">
+                  <asvg:svgBlip xmlns:asvg="http://schemas.microsoft.com/office/drawing/2016/SVG/main" r:embed="rId4"/>
+                </a:ext>
+              </a:extLst>
+            </a:blip>
+            <a:stretch>
+              <a:fillRect l="0" t="0" r="0" b="0"/>
+            </a:stretch>
+          </a:blipFill>
+        </p:spPr>
+      </p:sp>
+      <p:sp>
+        <p:nvSpPr>
+          <p:cNvPr name="Freeform 7" id="7"/>
+          <p:cNvSpPr/>
+          <p:nvPr/>
+        </p:nvSpPr>
+        <p:spPr>
+          <a:xfrm flipH="false" flipV="false" rot="0">
+            <a:off x="-2851369" y="-3442596"/>
+            <a:ext cx="6709932" cy="6885191"/>
+          </a:xfrm>
+          <a:custGeom>
+            <a:avLst/>
+            <a:gdLst/>
+            <a:ahLst/>
+            <a:cxnLst/>
+            <a:rect r="r" b="b" t="t" l="l"/>
+            <a:pathLst>
+              <a:path h="6885191" w="6709932">
+                <a:moveTo>
+                  <a:pt x="0" y="0"/>
+                </a:moveTo>
+                <a:lnTo>
+                  <a:pt x="6709932" y="0"/>
+                </a:lnTo>
+                <a:lnTo>
+                  <a:pt x="6709932" y="6885192"/>
+                </a:lnTo>
+                <a:lnTo>
+                  <a:pt x="0" y="6885192"/>
+                </a:lnTo>
+                <a:lnTo>
+                  <a:pt x="0" y="0"/>
+                </a:lnTo>
+                <a:close/>
+              </a:path>
+            </a:pathLst>
+          </a:custGeom>
+          <a:blipFill>
+            <a:blip r:embed="rId3">
+              <a:extLst>
+                <a:ext uri="{96DAC541-7B7A-43D3-8B79-37D633B846F1}">
+                  <asvg:svgBlip xmlns:asvg="http://schemas.microsoft.com/office/drawing/2016/SVG/main" r:embed="rId4"/>
+                </a:ext>
+              </a:extLst>
+            </a:blip>
+            <a:stretch>
+              <a:fillRect l="0" t="0" r="0" b="0"/>
+            </a:stretch>
+          </a:blipFill>
+        </p:spPr>
+      </p:sp>
+      <p:sp>
+        <p:nvSpPr>
+          <p:cNvPr name="Freeform 8" id="8"/>
+          <p:cNvSpPr/>
+          <p:nvPr/>
+        </p:nvSpPr>
+        <p:spPr>
+          <a:xfrm flipH="false" flipV="false" rot="0">
+            <a:off x="116275" y="2580634"/>
+            <a:ext cx="5982912" cy="3488209"/>
+          </a:xfrm>
+          <a:custGeom>
+            <a:avLst/>
+            <a:gdLst/>
+            <a:ahLst/>
+            <a:cxnLst/>
+            <a:rect r="r" b="b" t="t" l="l"/>
+            <a:pathLst>
+              <a:path h="3488209" w="5982912">
+                <a:moveTo>
+                  <a:pt x="0" y="0"/>
+                </a:moveTo>
+                <a:lnTo>
+                  <a:pt x="5982912" y="0"/>
+                </a:lnTo>
+                <a:lnTo>
+                  <a:pt x="5982912" y="3488209"/>
+                </a:lnTo>
+                <a:lnTo>
+                  <a:pt x="0" y="3488209"/>
+                </a:lnTo>
+                <a:lnTo>
+                  <a:pt x="0" y="0"/>
+                </a:lnTo>
+                <a:close/>
+              </a:path>
+            </a:pathLst>
+          </a:custGeom>
+          <a:blipFill>
+            <a:blip r:embed="rId5"/>
+            <a:stretch>
+              <a:fillRect l="0" t="0" r="-2061" b="0"/>
+            </a:stretch>
+          </a:blipFill>
+        </p:spPr>
+      </p:sp>
+      <p:sp>
+        <p:nvSpPr>
+          <p:cNvPr name="Freeform 9" id="9"/>
+          <p:cNvSpPr/>
+          <p:nvPr/>
+        </p:nvSpPr>
+        <p:spPr>
+          <a:xfrm flipH="false" flipV="false" rot="0">
+            <a:off x="116275" y="6638266"/>
+            <a:ext cx="5982912" cy="3648734"/>
+          </a:xfrm>
+          <a:custGeom>
+            <a:avLst/>
+            <a:gdLst/>
+            <a:ahLst/>
+            <a:cxnLst/>
+            <a:rect r="r" b="b" t="t" l="l"/>
+            <a:pathLst>
+              <a:path h="3648734" w="5982912">
+                <a:moveTo>
+                  <a:pt x="0" y="0"/>
+                </a:moveTo>
+                <a:lnTo>
+                  <a:pt x="5982912" y="0"/>
+                </a:lnTo>
+                <a:lnTo>
+                  <a:pt x="5982912" y="3648734"/>
+                </a:lnTo>
+                <a:lnTo>
+                  <a:pt x="0" y="3648734"/>
+                </a:lnTo>
+                <a:lnTo>
+                  <a:pt x="0" y="0"/>
+                </a:lnTo>
+                <a:close/>
+              </a:path>
+            </a:pathLst>
+          </a:custGeom>
+          <a:blipFill>
+            <a:blip r:embed="rId6"/>
+            <a:stretch>
+              <a:fillRect l="0" t="0" r="0" b="0"/>
+            </a:stretch>
+          </a:blipFill>
+        </p:spPr>
+      </p:sp>
+      <p:sp>
+        <p:nvSpPr>
+          <p:cNvPr name="Freeform 10" id="10"/>
+          <p:cNvSpPr/>
+          <p:nvPr/>
+        </p:nvSpPr>
+        <p:spPr>
+          <a:xfrm flipH="false" flipV="false" rot="0">
+            <a:off x="9780741" y="4030646"/>
+            <a:ext cx="7619385" cy="4209018"/>
+          </a:xfrm>
+          <a:custGeom>
+            <a:avLst/>
+            <a:gdLst/>
+            <a:ahLst/>
+            <a:cxnLst/>
+            <a:rect r="r" b="b" t="t" l="l"/>
+            <a:pathLst>
+              <a:path h="4209018" w="7619385">
+                <a:moveTo>
+                  <a:pt x="0" y="0"/>
+                </a:moveTo>
+                <a:lnTo>
+                  <a:pt x="7619385" y="0"/>
+                </a:lnTo>
+                <a:lnTo>
+                  <a:pt x="7619385" y="4209019"/>
+                </a:lnTo>
+                <a:lnTo>
+                  <a:pt x="0" y="4209019"/>
+                </a:lnTo>
+                <a:lnTo>
+                  <a:pt x="0" y="0"/>
+                </a:lnTo>
+                <a:close/>
+              </a:path>
+            </a:pathLst>
+          </a:custGeom>
+          <a:blipFill>
+            <a:blip r:embed="rId7"/>
+            <a:stretch>
+              <a:fillRect l="-210" t="0" r="0" b="0"/>
+            </a:stretch>
+          </a:blipFill>
+        </p:spPr>
+      </p:sp>
+      <p:sp>
+        <p:nvSpPr>
+          <p:cNvPr name="TextBox 11" id="11"/>
+          <p:cNvSpPr txBox="true"/>
+          <p:nvPr/>
+        </p:nvSpPr>
+        <p:spPr>
+          <a:xfrm rot="0">
+            <a:off x="2722636" y="209052"/>
+            <a:ext cx="12842727" cy="1349947"/>
+          </a:xfrm>
+          <a:prstGeom prst="rect">
+            <a:avLst/>
+          </a:prstGeom>
+        </p:spPr>
+        <p:txBody>
+          <a:bodyPr anchor="t" rtlCol="false" tIns="0" lIns="0" bIns="0" rIns="0">
+            <a:spAutoFit/>
+          </a:bodyPr>
+          <a:lstStyle/>
+          <a:p>
+            <a:pPr algn="ctr">
+              <a:lnSpc>
+                <a:spcPts val="11082"/>
+              </a:lnSpc>
+            </a:pPr>
+            <a:r>
+              <a:rPr lang="en-US" b="true" sz="8030" spc="786">
+                <a:solidFill>
+                  <a:srgbClr val="FFFFFF"/>
+                </a:solidFill>
+                <a:latin typeface="Oswald Bold"/>
+                <a:ea typeface="Oswald Bold"/>
+                <a:cs typeface="Oswald Bold"/>
+                <a:sym typeface="Oswald Bold"/>
+              </a:rPr>
+              <a:t>RESUMEN DE METADATA</a:t>
+            </a:r>
+          </a:p>
+        </p:txBody>
+      </p:sp>
+      <p:sp>
+        <p:nvSpPr>
+          <p:cNvPr name="TextBox 12" id="12"/>
+          <p:cNvSpPr txBox="true"/>
+          <p:nvPr/>
+        </p:nvSpPr>
+        <p:spPr>
+          <a:xfrm rot="0">
+            <a:off x="13590434" y="8599315"/>
+            <a:ext cx="3097353" cy="698210"/>
+          </a:xfrm>
+          <a:prstGeom prst="rect">
+            <a:avLst/>
+          </a:prstGeom>
+        </p:spPr>
+        <p:txBody>
+          <a:bodyPr anchor="t" rtlCol="false" tIns="0" lIns="0" bIns="0" rIns="0">
+            <a:spAutoFit/>
+          </a:bodyPr>
+          <a:lstStyle/>
+          <a:p>
+            <a:pPr algn="ctr">
+              <a:lnSpc>
+                <a:spcPts val="5752"/>
+              </a:lnSpc>
+            </a:pPr>
+            <a:r>
+              <a:rPr lang="en-US" b="true" sz="4168" spc="408">
+                <a:solidFill>
+                  <a:srgbClr val="231F20"/>
+                </a:solidFill>
+                <a:latin typeface="Oswald Bold"/>
+                <a:ea typeface="Oswald Bold"/>
+                <a:cs typeface="Oswald Bold"/>
+                <a:sym typeface="Oswald Bold"/>
+              </a:rPr>
+              <a:t>FILAS</a:t>
+            </a:r>
+          </a:p>
+        </p:txBody>
+      </p:sp>
+      <p:sp>
+        <p:nvSpPr>
+          <p:cNvPr name="TextBox 13" id="13"/>
+          <p:cNvSpPr txBox="true"/>
+          <p:nvPr/>
+        </p:nvSpPr>
+        <p:spPr>
+          <a:xfrm rot="0">
+            <a:off x="10493081" y="8599315"/>
+            <a:ext cx="3097353" cy="698210"/>
+          </a:xfrm>
+          <a:prstGeom prst="rect">
+            <a:avLst/>
+          </a:prstGeom>
+        </p:spPr>
+        <p:txBody>
+          <a:bodyPr anchor="t" rtlCol="false" tIns="0" lIns="0" bIns="0" rIns="0">
+            <a:spAutoFit/>
+          </a:bodyPr>
+          <a:lstStyle/>
+          <a:p>
+            <a:pPr algn="ctr">
+              <a:lnSpc>
+                <a:spcPts val="5752"/>
+              </a:lnSpc>
+            </a:pPr>
+            <a:r>
+              <a:rPr lang="en-US" b="true" sz="4168" spc="408">
+                <a:solidFill>
+                  <a:srgbClr val="231F20"/>
+                </a:solidFill>
+                <a:latin typeface="Oswald Bold"/>
+                <a:ea typeface="Oswald Bold"/>
+                <a:cs typeface="Oswald Bold"/>
+                <a:sym typeface="Oswald Bold"/>
+              </a:rPr>
+              <a:t>DATOS</a:t>
+            </a:r>
+          </a:p>
+        </p:txBody>
+      </p:sp>
+      <p:sp>
+        <p:nvSpPr>
+          <p:cNvPr name="TextBox 14" id="14"/>
+          <p:cNvSpPr txBox="true"/>
+          <p:nvPr/>
+        </p:nvSpPr>
+        <p:spPr>
+          <a:xfrm rot="0">
+            <a:off x="14599412" y="9440400"/>
+            <a:ext cx="1079397" cy="410210"/>
+          </a:xfrm>
+          <a:prstGeom prst="rect">
+            <a:avLst/>
+          </a:prstGeom>
+        </p:spPr>
+        <p:txBody>
+          <a:bodyPr anchor="t" rtlCol="false" tIns="0" lIns="0" bIns="0" rIns="0">
+            <a:spAutoFit/>
+          </a:bodyPr>
+          <a:lstStyle/>
+          <a:p>
+            <a:pPr algn="ctr">
+              <a:lnSpc>
+                <a:spcPts val="3349"/>
+              </a:lnSpc>
+              <a:spcBef>
+                <a:spcPct val="0"/>
+              </a:spcBef>
+            </a:pPr>
+            <a:r>
+              <a:rPr lang="en-US" sz="2576">
+                <a:solidFill>
+                  <a:srgbClr val="000000"/>
+                </a:solidFill>
+                <a:latin typeface="Open Sauce"/>
+                <a:ea typeface="Open Sauce"/>
+                <a:cs typeface="Open Sauce"/>
+                <a:sym typeface="Open Sauce"/>
+              </a:rPr>
+              <a:t>39.401</a:t>
+            </a:r>
+          </a:p>
+        </p:txBody>
+      </p:sp>
+      <p:sp>
+        <p:nvSpPr>
+          <p:cNvPr name="TextBox 15" id="15"/>
+          <p:cNvSpPr txBox="true"/>
+          <p:nvPr/>
+        </p:nvSpPr>
+        <p:spPr>
+          <a:xfrm rot="0">
+            <a:off x="11496823" y="9440400"/>
+            <a:ext cx="1089868" cy="353060"/>
+          </a:xfrm>
+          <a:prstGeom prst="rect">
+            <a:avLst/>
+          </a:prstGeom>
+        </p:spPr>
+        <p:txBody>
+          <a:bodyPr anchor="t" rtlCol="false" tIns="0" lIns="0" bIns="0" rIns="0">
+            <a:spAutoFit/>
+          </a:bodyPr>
+          <a:lstStyle/>
+          <a:p>
+            <a:pPr algn="ctr">
+              <a:lnSpc>
+                <a:spcPts val="2859"/>
+              </a:lnSpc>
+              <a:spcBef>
+                <a:spcPct val="0"/>
+              </a:spcBef>
+            </a:pPr>
+            <a:r>
+              <a:rPr lang="en-US" sz="2199">
+                <a:solidFill>
+                  <a:srgbClr val="000000"/>
+                </a:solidFill>
+                <a:latin typeface="Open Sauce"/>
+                <a:ea typeface="Open Sauce"/>
+                <a:cs typeface="Open Sauce"/>
+                <a:sym typeface="Open Sauce"/>
+              </a:rPr>
+              <a:t>669.817</a:t>
+            </a:r>
+          </a:p>
+        </p:txBody>
+      </p:sp>
+      <p:sp>
+        <p:nvSpPr>
+          <p:cNvPr name="TextBox 16" id="16"/>
+          <p:cNvSpPr txBox="true"/>
+          <p:nvPr/>
+        </p:nvSpPr>
+        <p:spPr>
+          <a:xfrm rot="0">
+            <a:off x="221245" y="2048592"/>
+            <a:ext cx="2501392" cy="484423"/>
+          </a:xfrm>
+          <a:prstGeom prst="rect">
+            <a:avLst/>
+          </a:prstGeom>
+        </p:spPr>
+        <p:txBody>
+          <a:bodyPr anchor="t" rtlCol="false" tIns="0" lIns="0" bIns="0" rIns="0">
+            <a:spAutoFit/>
+          </a:bodyPr>
+          <a:lstStyle/>
+          <a:p>
+            <a:pPr algn="ctr">
+              <a:lnSpc>
+                <a:spcPts val="3978"/>
+              </a:lnSpc>
+            </a:pPr>
+            <a:r>
+              <a:rPr lang="en-US" b="true" sz="2883" spc="282">
+                <a:solidFill>
+                  <a:srgbClr val="231F20"/>
+                </a:solidFill>
+                <a:latin typeface="Oswald Bold"/>
+                <a:ea typeface="Oswald Bold"/>
+                <a:cs typeface="Oswald Bold"/>
+                <a:sym typeface="Oswald Bold"/>
+              </a:rPr>
+              <a:t>DATOS NULOS</a:t>
+            </a:r>
+          </a:p>
+        </p:txBody>
+      </p:sp>
+      <p:sp>
+        <p:nvSpPr>
+          <p:cNvPr name="TextBox 17" id="17"/>
+          <p:cNvSpPr txBox="true"/>
+          <p:nvPr/>
+        </p:nvSpPr>
+        <p:spPr>
+          <a:xfrm rot="0">
+            <a:off x="116275" y="6087531"/>
+            <a:ext cx="3716046" cy="484423"/>
+          </a:xfrm>
+          <a:prstGeom prst="rect">
+            <a:avLst/>
+          </a:prstGeom>
+        </p:spPr>
+        <p:txBody>
+          <a:bodyPr anchor="t" rtlCol="false" tIns="0" lIns="0" bIns="0" rIns="0">
+            <a:spAutoFit/>
+          </a:bodyPr>
+          <a:lstStyle/>
+          <a:p>
+            <a:pPr algn="ctr">
+              <a:lnSpc>
+                <a:spcPts val="3978"/>
+              </a:lnSpc>
+            </a:pPr>
+            <a:r>
+              <a:rPr lang="en-US" b="true" sz="2883" spc="282">
+                <a:solidFill>
+                  <a:srgbClr val="231F20"/>
+                </a:solidFill>
+                <a:latin typeface="Oswald Bold"/>
+                <a:ea typeface="Oswald Bold"/>
+                <a:cs typeface="Oswald Bold"/>
+                <a:sym typeface="Oswald Bold"/>
+              </a:rPr>
+              <a:t>MARCAS Y MODELOS</a:t>
+            </a:r>
+          </a:p>
+        </p:txBody>
+      </p:sp>
+      <p:sp>
+        <p:nvSpPr>
+          <p:cNvPr name="TextBox 18" id="18"/>
+          <p:cNvSpPr txBox="true"/>
+          <p:nvPr/>
+        </p:nvSpPr>
+        <p:spPr>
+          <a:xfrm rot="0">
+            <a:off x="9138702" y="2006649"/>
+            <a:ext cx="4574649" cy="558783"/>
+          </a:xfrm>
+          <a:prstGeom prst="rect">
+            <a:avLst/>
+          </a:prstGeom>
+        </p:spPr>
+        <p:txBody>
+          <a:bodyPr anchor="t" rtlCol="false" tIns="0" lIns="0" bIns="0" rIns="0">
+            <a:spAutoFit/>
+          </a:bodyPr>
+          <a:lstStyle/>
+          <a:p>
+            <a:pPr algn="ctr">
+              <a:lnSpc>
+                <a:spcPts val="4569"/>
+              </a:lnSpc>
+            </a:pPr>
+            <a:r>
+              <a:rPr lang="en-US" b="true" sz="3311" spc="324">
+                <a:solidFill>
+                  <a:srgbClr val="231F20"/>
+                </a:solidFill>
+                <a:latin typeface="Oswald Bold"/>
+                <a:ea typeface="Oswald Bold"/>
+                <a:cs typeface="Oswald Bold"/>
+                <a:sym typeface="Oswald Bold"/>
+              </a:rPr>
+              <a:t> AUTOS DEL AÑO 2020</a:t>
+            </a:r>
+          </a:p>
+        </p:txBody>
+      </p:sp>
+      <p:sp>
+        <p:nvSpPr>
+          <p:cNvPr name="TextBox 19" id="19"/>
+          <p:cNvSpPr txBox="true"/>
+          <p:nvPr/>
+        </p:nvSpPr>
+        <p:spPr>
+          <a:xfrm rot="0">
+            <a:off x="10611161" y="3367706"/>
+            <a:ext cx="1629730" cy="501015"/>
+          </a:xfrm>
+          <a:prstGeom prst="rect">
+            <a:avLst/>
+          </a:prstGeom>
+        </p:spPr>
+        <p:txBody>
+          <a:bodyPr anchor="t" rtlCol="false" tIns="0" lIns="0" bIns="0" rIns="0">
+            <a:spAutoFit/>
+          </a:bodyPr>
+          <a:lstStyle/>
+          <a:p>
+            <a:pPr algn="ctr">
+              <a:lnSpc>
+                <a:spcPts val="4045"/>
+              </a:lnSpc>
+              <a:spcBef>
+                <a:spcPct val="0"/>
+              </a:spcBef>
+            </a:pPr>
+            <a:r>
+              <a:rPr lang="en-US" sz="3111">
+                <a:solidFill>
+                  <a:srgbClr val="000000"/>
+                </a:solidFill>
+                <a:latin typeface="Open Sauce"/>
+                <a:ea typeface="Open Sauce"/>
+                <a:cs typeface="Open Sauce"/>
+                <a:sym typeface="Open Sauce"/>
+              </a:rPr>
+              <a:t>23.46%</a:t>
+            </a:r>
+          </a:p>
+        </p:txBody>
+      </p:sp>
+      <p:sp>
+        <p:nvSpPr>
+          <p:cNvPr name="TextBox 20" id="20"/>
+          <p:cNvSpPr txBox="true"/>
+          <p:nvPr/>
+        </p:nvSpPr>
+        <p:spPr>
+          <a:xfrm rot="0">
+            <a:off x="13713351" y="2006649"/>
+            <a:ext cx="4574649" cy="558783"/>
+          </a:xfrm>
+          <a:prstGeom prst="rect">
+            <a:avLst/>
+          </a:prstGeom>
+        </p:spPr>
+        <p:txBody>
+          <a:bodyPr anchor="t" rtlCol="false" tIns="0" lIns="0" bIns="0" rIns="0">
+            <a:spAutoFit/>
+          </a:bodyPr>
+          <a:lstStyle/>
+          <a:p>
+            <a:pPr algn="ctr">
+              <a:lnSpc>
+                <a:spcPts val="4569"/>
+              </a:lnSpc>
+            </a:pPr>
+            <a:r>
+              <a:rPr lang="en-US" b="true" sz="3311" spc="324">
+                <a:solidFill>
+                  <a:srgbClr val="231F20"/>
+                </a:solidFill>
+                <a:latin typeface="Oswald Bold"/>
+                <a:ea typeface="Oswald Bold"/>
+                <a:cs typeface="Oswald Bold"/>
+                <a:sym typeface="Oswald Bold"/>
+              </a:rPr>
+              <a:t> AUTOS DEL AÑO 2021</a:t>
+            </a:r>
+          </a:p>
+        </p:txBody>
+      </p:sp>
+      <p:sp>
+        <p:nvSpPr>
+          <p:cNvPr name="TextBox 21" id="21"/>
+          <p:cNvSpPr txBox="true"/>
+          <p:nvPr/>
+        </p:nvSpPr>
+        <p:spPr>
+          <a:xfrm rot="0">
+            <a:off x="15185810" y="3367706"/>
+            <a:ext cx="1629730" cy="501015"/>
+          </a:xfrm>
+          <a:prstGeom prst="rect">
+            <a:avLst/>
+          </a:prstGeom>
+        </p:spPr>
+        <p:txBody>
+          <a:bodyPr anchor="t" rtlCol="false" tIns="0" lIns="0" bIns="0" rIns="0">
+            <a:spAutoFit/>
+          </a:bodyPr>
+          <a:lstStyle/>
+          <a:p>
+            <a:pPr algn="ctr">
+              <a:lnSpc>
+                <a:spcPts val="4045"/>
+              </a:lnSpc>
+              <a:spcBef>
+                <a:spcPct val="0"/>
+              </a:spcBef>
+            </a:pPr>
+            <a:r>
+              <a:rPr lang="en-US" sz="3111">
+                <a:solidFill>
+                  <a:srgbClr val="000000"/>
+                </a:solidFill>
+                <a:latin typeface="Open Sauce"/>
+                <a:ea typeface="Open Sauce"/>
+                <a:cs typeface="Open Sauce"/>
+                <a:sym typeface="Open Sauce"/>
+              </a:rPr>
+              <a:t>22.26%</a:t>
+            </a:r>
+          </a:p>
+        </p:txBody>
+      </p:sp>
+      <p:sp>
+        <p:nvSpPr>
+          <p:cNvPr name="TextBox 22" id="22"/>
+          <p:cNvSpPr txBox="true"/>
+          <p:nvPr/>
+        </p:nvSpPr>
+        <p:spPr>
+          <a:xfrm rot="0">
+            <a:off x="10611161" y="2821305"/>
+            <a:ext cx="1629730" cy="501015"/>
+          </a:xfrm>
+          <a:prstGeom prst="rect">
+            <a:avLst/>
+          </a:prstGeom>
+        </p:spPr>
+        <p:txBody>
+          <a:bodyPr anchor="t" rtlCol="false" tIns="0" lIns="0" bIns="0" rIns="0">
+            <a:spAutoFit/>
+          </a:bodyPr>
+          <a:lstStyle/>
+          <a:p>
+            <a:pPr algn="ctr">
+              <a:lnSpc>
+                <a:spcPts val="4045"/>
+              </a:lnSpc>
+              <a:spcBef>
+                <a:spcPct val="0"/>
+              </a:spcBef>
+            </a:pPr>
+            <a:r>
+              <a:rPr lang="en-US" sz="3111">
+                <a:solidFill>
+                  <a:srgbClr val="000000"/>
+                </a:solidFill>
+                <a:latin typeface="Open Sauce"/>
+                <a:ea typeface="Open Sauce"/>
+                <a:cs typeface="Open Sauce"/>
+                <a:sym typeface="Open Sauce"/>
+              </a:rPr>
+              <a:t>9.245</a:t>
+            </a:r>
+          </a:p>
+        </p:txBody>
+      </p:sp>
+      <p:sp>
+        <p:nvSpPr>
+          <p:cNvPr name="TextBox 23" id="23"/>
+          <p:cNvSpPr txBox="true"/>
+          <p:nvPr/>
+        </p:nvSpPr>
+        <p:spPr>
+          <a:xfrm rot="0">
+            <a:off x="15185810" y="2821305"/>
+            <a:ext cx="1629730" cy="501015"/>
+          </a:xfrm>
+          <a:prstGeom prst="rect">
+            <a:avLst/>
+          </a:prstGeom>
+        </p:spPr>
+        <p:txBody>
+          <a:bodyPr anchor="t" rtlCol="false" tIns="0" lIns="0" bIns="0" rIns="0">
+            <a:spAutoFit/>
+          </a:bodyPr>
+          <a:lstStyle/>
+          <a:p>
+            <a:pPr algn="ctr">
+              <a:lnSpc>
+                <a:spcPts val="4045"/>
+              </a:lnSpc>
+              <a:spcBef>
+                <a:spcPct val="0"/>
+              </a:spcBef>
+            </a:pPr>
+            <a:r>
+              <a:rPr lang="en-US" sz="3111">
+                <a:solidFill>
+                  <a:srgbClr val="000000"/>
+                </a:solidFill>
+                <a:latin typeface="Open Sauce"/>
+                <a:ea typeface="Open Sauce"/>
+                <a:cs typeface="Open Sauce"/>
+                <a:sym typeface="Open Sauce"/>
+              </a:rPr>
+              <a:t>8.770</a:t>
+            </a:r>
+          </a:p>
+        </p:txBody>
+      </p:sp>
+      <p:sp>
+        <p:nvSpPr>
+          <p:cNvPr name="TextBox 24" id="24"/>
+          <p:cNvSpPr txBox="true"/>
+          <p:nvPr/>
+        </p:nvSpPr>
+        <p:spPr>
+          <a:xfrm rot="0">
+            <a:off x="7826154" y="2257466"/>
+            <a:ext cx="660763" cy="7410960"/>
+          </a:xfrm>
+          <a:prstGeom prst="rect">
+            <a:avLst/>
+          </a:prstGeom>
+        </p:spPr>
+        <p:txBody>
+          <a:bodyPr anchor="t" rtlCol="false" tIns="0" lIns="0" bIns="0" rIns="0">
+            <a:spAutoFit/>
+          </a:bodyPr>
+          <a:lstStyle/>
+          <a:p>
+            <a:pPr algn="ctr">
+              <a:lnSpc>
+                <a:spcPts val="4569"/>
+              </a:lnSpc>
+            </a:pPr>
+            <a:r>
+              <a:rPr lang="en-US" b="true" sz="3311" spc="324">
+                <a:solidFill>
+                  <a:srgbClr val="231F20"/>
+                </a:solidFill>
+                <a:latin typeface="Oswald Bold"/>
+                <a:ea typeface="Oswald Bold"/>
+                <a:cs typeface="Oswald Bold"/>
+                <a:sym typeface="Oswald Bold"/>
+                <a:hlinkClick r:id="rId8" tooltip="https://www.kaggle.com/datasets/andreinovikov/used-cars-dataset/data"/>
+              </a:rPr>
+              <a:t>B</a:t>
+            </a:r>
+          </a:p>
+          <a:p>
+            <a:pPr algn="ctr">
+              <a:lnSpc>
+                <a:spcPts val="4569"/>
+              </a:lnSpc>
+            </a:pPr>
+            <a:r>
+              <a:rPr lang="en-US" b="true" sz="3311" spc="324">
+                <a:solidFill>
+                  <a:srgbClr val="231F20"/>
+                </a:solidFill>
+                <a:latin typeface="Oswald Bold"/>
+                <a:ea typeface="Oswald Bold"/>
+                <a:cs typeface="Oswald Bold"/>
+                <a:sym typeface="Oswald Bold"/>
+                <a:hlinkClick r:id="rId9" tooltip="https://www.kaggle.com/datasets/andreinovikov/used-cars-dataset/data"/>
+              </a:rPr>
+              <a:t>A</a:t>
+            </a:r>
+          </a:p>
+          <a:p>
+            <a:pPr algn="ctr">
+              <a:lnSpc>
+                <a:spcPts val="4569"/>
+              </a:lnSpc>
+            </a:pPr>
+            <a:r>
+              <a:rPr lang="en-US" b="true" sz="3311" spc="324">
+                <a:solidFill>
+                  <a:srgbClr val="231F20"/>
+                </a:solidFill>
+                <a:latin typeface="Oswald Bold"/>
+                <a:ea typeface="Oswald Bold"/>
+                <a:cs typeface="Oswald Bold"/>
+                <a:sym typeface="Oswald Bold"/>
+                <a:hlinkClick r:id="rId10" tooltip="https://www.kaggle.com/datasets/andreinovikov/used-cars-dataset/data"/>
+              </a:rPr>
+              <a:t>S</a:t>
+            </a:r>
+          </a:p>
+          <a:p>
+            <a:pPr algn="ctr">
+              <a:lnSpc>
+                <a:spcPts val="4569"/>
+              </a:lnSpc>
+            </a:pPr>
+            <a:r>
+              <a:rPr lang="en-US" b="true" sz="3311" spc="324">
+                <a:solidFill>
+                  <a:srgbClr val="231F20"/>
+                </a:solidFill>
+                <a:latin typeface="Oswald Bold"/>
+                <a:ea typeface="Oswald Bold"/>
+                <a:cs typeface="Oswald Bold"/>
+                <a:sym typeface="Oswald Bold"/>
+                <a:hlinkClick r:id="rId11" tooltip="https://www.kaggle.com/datasets/andreinovikov/used-cars-dataset/data"/>
+              </a:rPr>
+              <a:t>E</a:t>
+            </a:r>
+          </a:p>
+          <a:p>
+            <a:pPr algn="ctr">
+              <a:lnSpc>
+                <a:spcPts val="4569"/>
+              </a:lnSpc>
+            </a:pPr>
+          </a:p>
+          <a:p>
+            <a:pPr algn="ctr">
+              <a:lnSpc>
+                <a:spcPts val="4569"/>
+              </a:lnSpc>
+            </a:pPr>
+            <a:r>
+              <a:rPr lang="en-US" b="true" sz="3311" spc="324">
+                <a:solidFill>
+                  <a:srgbClr val="231F20"/>
+                </a:solidFill>
+                <a:latin typeface="Oswald Bold"/>
+                <a:ea typeface="Oswald Bold"/>
+                <a:cs typeface="Oswald Bold"/>
+                <a:sym typeface="Oswald Bold"/>
+                <a:hlinkClick r:id="rId12" tooltip="https://www.kaggle.com/datasets/andreinovikov/used-cars-dataset/data"/>
+              </a:rPr>
+              <a:t>D</a:t>
+            </a:r>
+          </a:p>
+          <a:p>
+            <a:pPr algn="ctr">
+              <a:lnSpc>
+                <a:spcPts val="4569"/>
+              </a:lnSpc>
+            </a:pPr>
+            <a:r>
+              <a:rPr lang="en-US" b="true" sz="3311" spc="324">
+                <a:solidFill>
+                  <a:srgbClr val="231F20"/>
+                </a:solidFill>
+                <a:latin typeface="Oswald Bold"/>
+                <a:ea typeface="Oswald Bold"/>
+                <a:cs typeface="Oswald Bold"/>
+                <a:sym typeface="Oswald Bold"/>
+                <a:hlinkClick r:id="rId13" tooltip="https://www.kaggle.com/datasets/andreinovikov/used-cars-dataset/data"/>
+              </a:rPr>
+              <a:t>E</a:t>
+            </a:r>
+          </a:p>
+          <a:p>
+            <a:pPr algn="ctr">
+              <a:lnSpc>
+                <a:spcPts val="4569"/>
+              </a:lnSpc>
+            </a:pPr>
+          </a:p>
+          <a:p>
+            <a:pPr algn="ctr">
+              <a:lnSpc>
+                <a:spcPts val="4569"/>
+              </a:lnSpc>
+            </a:pPr>
+            <a:r>
+              <a:rPr lang="en-US" b="true" sz="3311" spc="324">
+                <a:solidFill>
+                  <a:srgbClr val="231F20"/>
+                </a:solidFill>
+                <a:latin typeface="Oswald Bold"/>
+                <a:ea typeface="Oswald Bold"/>
+                <a:cs typeface="Oswald Bold"/>
+                <a:sym typeface="Oswald Bold"/>
+                <a:hlinkClick r:id="rId14" tooltip="https://www.kaggle.com/datasets/andreinovikov/used-cars-dataset/data"/>
+              </a:rPr>
+              <a:t>D</a:t>
+            </a:r>
+          </a:p>
+          <a:p>
+            <a:pPr algn="ctr">
+              <a:lnSpc>
+                <a:spcPts val="4569"/>
+              </a:lnSpc>
+            </a:pPr>
+            <a:r>
+              <a:rPr lang="en-US" b="true" sz="3311" spc="324">
+                <a:solidFill>
+                  <a:srgbClr val="231F20"/>
+                </a:solidFill>
+                <a:latin typeface="Oswald Bold"/>
+                <a:ea typeface="Oswald Bold"/>
+                <a:cs typeface="Oswald Bold"/>
+                <a:sym typeface="Oswald Bold"/>
+                <a:hlinkClick r:id="rId15" tooltip="https://www.kaggle.com/datasets/andreinovikov/used-cars-dataset/data"/>
+              </a:rPr>
+              <a:t>A</a:t>
+            </a:r>
+          </a:p>
+          <a:p>
+            <a:pPr algn="ctr">
+              <a:lnSpc>
+                <a:spcPts val="4569"/>
+              </a:lnSpc>
+            </a:pPr>
+            <a:r>
+              <a:rPr lang="en-US" b="true" sz="3311" spc="324">
+                <a:solidFill>
+                  <a:srgbClr val="231F20"/>
+                </a:solidFill>
+                <a:latin typeface="Oswald Bold"/>
+                <a:ea typeface="Oswald Bold"/>
+                <a:cs typeface="Oswald Bold"/>
+                <a:sym typeface="Oswald Bold"/>
+                <a:hlinkClick r:id="rId16" tooltip="https://www.kaggle.com/datasets/andreinovikov/used-cars-dataset/data"/>
+              </a:rPr>
+              <a:t>T</a:t>
+            </a:r>
+          </a:p>
+          <a:p>
+            <a:pPr algn="ctr">
+              <a:lnSpc>
+                <a:spcPts val="4569"/>
+              </a:lnSpc>
+            </a:pPr>
+            <a:r>
+              <a:rPr lang="en-US" b="true" sz="3311" spc="324">
+                <a:solidFill>
+                  <a:srgbClr val="231F20"/>
+                </a:solidFill>
+                <a:latin typeface="Oswald Bold"/>
+                <a:ea typeface="Oswald Bold"/>
+                <a:cs typeface="Oswald Bold"/>
+                <a:sym typeface="Oswald Bold"/>
+                <a:hlinkClick r:id="rId17" tooltip="https://www.kaggle.com/datasets/andreinovikov/used-cars-dataset/data"/>
+              </a:rPr>
+              <a:t>O</a:t>
+            </a:r>
+          </a:p>
+          <a:p>
+            <a:pPr algn="ctr">
+              <a:lnSpc>
+                <a:spcPts val="4569"/>
+              </a:lnSpc>
+            </a:pPr>
+            <a:r>
+              <a:rPr lang="en-US" b="true" sz="3311" spc="324">
+                <a:solidFill>
+                  <a:srgbClr val="231F20"/>
+                </a:solidFill>
+                <a:latin typeface="Oswald Bold"/>
+                <a:ea typeface="Oswald Bold"/>
+                <a:cs typeface="Oswald Bold"/>
+                <a:sym typeface="Oswald Bold"/>
+                <a:hlinkClick r:id="rId18" tooltip="https://www.kaggle.com/datasets/andreinovikov/used-cars-dataset/data"/>
+              </a:rPr>
+              <a:t>S</a:t>
+            </a:r>
+          </a:p>
+        </p:txBody>
+      </p:sp>
+    </p:spTree>
+  </p:cSld>
+  <p:clrMapOvr>
+    <a:masterClrMapping/>
+  </p:clrMapOvr>
+</p:sld>
+</file>
+
+<file path=ppt/slides/slide5.xml><?xml version="1.0" encoding="utf-8"?>
+<p:sld xmlns:p="http://schemas.openxmlformats.org/presentationml/2006/main" xmlns:a="http://schemas.openxmlformats.org/drawingml/2006/main" xmlns:r="http://schemas.openxmlformats.org/officeDocument/2006/relationships">
+  <p:cSld>
     <p:bg>
       <p:bgPr>
         <a:solidFill>
@@ -5114,9 +6402,9 @@
         <p:grpSpPr>
           <a:xfrm rot="0">
             <a:off x="0" y="0"/>
-            <a:ext cx="18288000" cy="3086100"/>
+            <a:ext cx="18288000" cy="1976416"/>
             <a:chOff x="0" y="0"/>
-            <a:chExt cx="4816593" cy="812800"/>
+            <a:chExt cx="4816593" cy="520537"/>
           </a:xfrm>
         </p:grpSpPr>
         <p:sp>
@@ -5128,7 +6416,7 @@
           <p:spPr>
             <a:xfrm flipH="false" flipV="false" rot="0">
               <a:off x="0" y="0"/>
-              <a:ext cx="4816592" cy="812800"/>
+              <a:ext cx="4816592" cy="520537"/>
             </a:xfrm>
             <a:custGeom>
               <a:avLst/>
@@ -5137,7 +6425,7 @@
               <a:cxnLst/>
               <a:rect r="r" b="b" t="t" l="l"/>
               <a:pathLst>
-                <a:path h="812800" w="4816592">
+                <a:path h="520537" w="4816592">
                   <a:moveTo>
                     <a:pt x="0" y="0"/>
                   </a:moveTo>
@@ -5145,10 +6433,10 @@
                     <a:pt x="4816592" y="0"/>
                   </a:lnTo>
                   <a:lnTo>
-                    <a:pt x="4816592" y="812800"/>
+                    <a:pt x="4816592" y="520537"/>
                   </a:lnTo>
                   <a:lnTo>
-                    <a:pt x="0" y="812800"/>
+                    <a:pt x="0" y="520537"/>
                   </a:lnTo>
                   <a:close/>
                 </a:path>
@@ -5168,7 +6456,7 @@
           <p:spPr>
             <a:xfrm>
               <a:off x="0" y="-19050"/>
-              <a:ext cx="4816593" cy="831850"/>
+              <a:ext cx="4816593" cy="539587"/>
             </a:xfrm>
             <a:prstGeom prst="rect">
               <a:avLst/>
@@ -5396,8 +6684,8 @@
         </p:nvSpPr>
         <p:spPr>
           <a:xfrm rot="0">
-            <a:off x="3690980" y="335978"/>
-            <a:ext cx="10906040" cy="2750122"/>
+            <a:off x="2446334" y="380966"/>
+            <a:ext cx="13395332" cy="1349947"/>
           </a:xfrm>
           <a:prstGeom prst="rect">
             <a:avLst/>
@@ -5919,27 +7207,6 @@
             </a:r>
           </a:p>
           <a:p>
-            <a:pPr algn="l" marL="427768" indent="-213884" lvl="1">
-              <a:lnSpc>
-                <a:spcPts val="2734"/>
-              </a:lnSpc>
-              <a:buFont typeface="Arial"/>
-              <a:buChar char="•"/>
-            </a:pPr>
-            <a:r>
-              <a:rPr lang="en-US" sz="1981" spc="194">
-                <a:solidFill>
-                  <a:srgbClr val="231F20"/>
-                </a:solidFill>
-                <a:latin typeface="DM Sans"/>
-                <a:ea typeface="DM Sans"/>
-                <a:cs typeface="DM Sans"/>
-                <a:sym typeface="DM Sans"/>
-              </a:rPr>
-              <a:t>Y por los vendedores?</a:t>
-            </a:r>
-          </a:p>
-          <a:p>
             <a:pPr algn="l" marL="855537" indent="-285179" lvl="2">
               <a:lnSpc>
                 <a:spcPts val="2734"/>
@@ -5957,7 +7224,539 @@
                 <a:cs typeface="DM Sans"/>
                 <a:sym typeface="DM Sans"/>
               </a:rPr>
+              <a:t>Y por los vendedores?</a:t>
+            </a:r>
+          </a:p>
+          <a:p>
+            <a:pPr algn="l" marL="1283305" indent="-320826" lvl="3">
+              <a:lnSpc>
+                <a:spcPts val="2734"/>
+              </a:lnSpc>
+              <a:buFont typeface="Arial"/>
+              <a:buChar char="￭"/>
+            </a:pPr>
+            <a:r>
+              <a:rPr lang="en-US" sz="1981" spc="194">
+                <a:solidFill>
+                  <a:srgbClr val="231F20"/>
+                </a:solidFill>
+                <a:latin typeface="DM Sans"/>
+                <a:ea typeface="DM Sans"/>
+                <a:cs typeface="DM Sans"/>
+                <a:sym typeface="DM Sans"/>
+              </a:rPr>
               <a:t>Hay algo que haga que algunas marcas sean más valorados que otros?</a:t>
+            </a:r>
+          </a:p>
+        </p:txBody>
+      </p:sp>
+    </p:spTree>
+  </p:cSld>
+  <p:clrMapOvr>
+    <a:masterClrMapping/>
+  </p:clrMapOvr>
+</p:sld>
+</file>
+
+<file path=ppt/slides/slide6.xml><?xml version="1.0" encoding="utf-8"?>
+<p:sld xmlns:p="http://schemas.openxmlformats.org/presentationml/2006/main" xmlns:a="http://schemas.openxmlformats.org/drawingml/2006/main" xmlns:r="http://schemas.openxmlformats.org/officeDocument/2006/relationships">
+  <p:cSld>
+    <p:bg>
+      <p:bgPr>
+        <a:solidFill>
+          <a:srgbClr val="1A1A1A"/>
+        </a:solidFill>
+      </p:bgPr>
+    </p:bg>
+    <p:spTree>
+      <p:nvGrpSpPr>
+        <p:cNvPr id="1" name=""/>
+        <p:cNvGrpSpPr/>
+        <p:nvPr/>
+      </p:nvGrpSpPr>
+      <p:grpSpPr>
+        <a:xfrm>
+          <a:off x="0" y="0"/>
+          <a:ext cx="0" cy="0"/>
+          <a:chOff x="0" y="0"/>
+          <a:chExt cx="0" cy="0"/>
+        </a:xfrm>
+      </p:grpSpPr>
+      <p:sp>
+        <p:nvSpPr>
+          <p:cNvPr name="Freeform 2" id="2"/>
+          <p:cNvSpPr/>
+          <p:nvPr/>
+        </p:nvSpPr>
+        <p:spPr>
+          <a:xfrm flipH="false" flipV="false" rot="0">
+            <a:off x="-8169367" y="-10264537"/>
+            <a:ext cx="15841853" cy="16255633"/>
+          </a:xfrm>
+          <a:custGeom>
+            <a:avLst/>
+            <a:gdLst/>
+            <a:ahLst/>
+            <a:cxnLst/>
+            <a:rect r="r" b="b" t="t" l="l"/>
+            <a:pathLst>
+              <a:path h="16255633" w="15841853">
+                <a:moveTo>
+                  <a:pt x="0" y="0"/>
+                </a:moveTo>
+                <a:lnTo>
+                  <a:pt x="15841853" y="0"/>
+                </a:lnTo>
+                <a:lnTo>
+                  <a:pt x="15841853" y="16255632"/>
+                </a:lnTo>
+                <a:lnTo>
+                  <a:pt x="0" y="16255632"/>
+                </a:lnTo>
+                <a:lnTo>
+                  <a:pt x="0" y="0"/>
+                </a:lnTo>
+                <a:close/>
+              </a:path>
+            </a:pathLst>
+          </a:custGeom>
+          <a:blipFill>
+            <a:blip r:embed="rId2">
+              <a:extLst>
+                <a:ext uri="{96DAC541-7B7A-43D3-8B79-37D633B846F1}">
+                  <asvg:svgBlip xmlns:asvg="http://schemas.microsoft.com/office/drawing/2016/SVG/main" r:embed="rId3"/>
+                </a:ext>
+              </a:extLst>
+            </a:blip>
+            <a:stretch>
+              <a:fillRect l="0" t="0" r="0" b="0"/>
+            </a:stretch>
+          </a:blipFill>
+        </p:spPr>
+      </p:sp>
+      <p:sp>
+        <p:nvSpPr>
+          <p:cNvPr name="TextBox 3" id="3"/>
+          <p:cNvSpPr txBox="true"/>
+          <p:nvPr/>
+        </p:nvSpPr>
+        <p:spPr>
+          <a:xfrm rot="0">
+            <a:off x="2720102" y="3030981"/>
+            <a:ext cx="12057353" cy="3464642"/>
+          </a:xfrm>
+          <a:prstGeom prst="rect">
+            <a:avLst/>
+          </a:prstGeom>
+        </p:spPr>
+        <p:txBody>
+          <a:bodyPr anchor="t" rtlCol="false" tIns="0" lIns="0" bIns="0" rIns="0">
+            <a:spAutoFit/>
+          </a:bodyPr>
+          <a:lstStyle/>
+          <a:p>
+            <a:pPr algn="l">
+              <a:lnSpc>
+                <a:spcPts val="13948"/>
+              </a:lnSpc>
+            </a:pPr>
+            <a:r>
+              <a:rPr lang="en-US" b="true" sz="10107" spc="990">
+                <a:solidFill>
+                  <a:srgbClr val="FFFFFF"/>
+                </a:solidFill>
+                <a:latin typeface="Oswald Bold"/>
+                <a:ea typeface="Oswald Bold"/>
+                <a:cs typeface="Oswald Bold"/>
+                <a:sym typeface="Oswald Bold"/>
+              </a:rPr>
+              <a:t>ANÁLISIS EXPLORATORIO</a:t>
+            </a:r>
+          </a:p>
+        </p:txBody>
+      </p:sp>
+      <p:sp>
+        <p:nvSpPr>
+          <p:cNvPr name="Freeform 4" id="4"/>
+          <p:cNvSpPr/>
+          <p:nvPr/>
+        </p:nvSpPr>
+        <p:spPr>
+          <a:xfrm flipH="false" flipV="false" rot="0">
+            <a:off x="13447294" y="-3843198"/>
+            <a:ext cx="15841853" cy="16255633"/>
+          </a:xfrm>
+          <a:custGeom>
+            <a:avLst/>
+            <a:gdLst/>
+            <a:ahLst/>
+            <a:cxnLst/>
+            <a:rect r="r" b="b" t="t" l="l"/>
+            <a:pathLst>
+              <a:path h="16255633" w="15841853">
+                <a:moveTo>
+                  <a:pt x="0" y="0"/>
+                </a:moveTo>
+                <a:lnTo>
+                  <a:pt x="15841853" y="0"/>
+                </a:lnTo>
+                <a:lnTo>
+                  <a:pt x="15841853" y="16255632"/>
+                </a:lnTo>
+                <a:lnTo>
+                  <a:pt x="0" y="16255632"/>
+                </a:lnTo>
+                <a:lnTo>
+                  <a:pt x="0" y="0"/>
+                </a:lnTo>
+                <a:close/>
+              </a:path>
+            </a:pathLst>
+          </a:custGeom>
+          <a:blipFill>
+            <a:blip r:embed="rId2">
+              <a:extLst>
+                <a:ext uri="{96DAC541-7B7A-43D3-8B79-37D633B846F1}">
+                  <asvg:svgBlip xmlns:asvg="http://schemas.microsoft.com/office/drawing/2016/SVG/main" r:embed="rId3"/>
+                </a:ext>
+              </a:extLst>
+            </a:blip>
+            <a:stretch>
+              <a:fillRect l="0" t="0" r="0" b="0"/>
+            </a:stretch>
+          </a:blipFill>
+        </p:spPr>
+      </p:sp>
+    </p:spTree>
+  </p:cSld>
+  <p:clrMapOvr>
+    <a:masterClrMapping/>
+  </p:clrMapOvr>
+</p:sld>
+</file>
+
+<file path=ppt/slides/slide7.xml><?xml version="1.0" encoding="utf-8"?>
+<p:sld xmlns:p="http://schemas.openxmlformats.org/presentationml/2006/main" xmlns:a="http://schemas.openxmlformats.org/drawingml/2006/main" xmlns:r="http://schemas.openxmlformats.org/officeDocument/2006/relationships">
+  <p:cSld>
+    <p:bg>
+      <p:bgPr>
+        <a:solidFill>
+          <a:srgbClr val="F2F4F5"/>
+        </a:solidFill>
+      </p:bgPr>
+    </p:bg>
+    <p:spTree>
+      <p:nvGrpSpPr>
+        <p:cNvPr id="1" name=""/>
+        <p:cNvGrpSpPr/>
+        <p:nvPr/>
+      </p:nvGrpSpPr>
+      <p:grpSpPr>
+        <a:xfrm>
+          <a:off x="0" y="0"/>
+          <a:ext cx="0" cy="0"/>
+          <a:chOff x="0" y="0"/>
+          <a:chExt cx="0" cy="0"/>
+        </a:xfrm>
+      </p:grpSpPr>
+      <p:sp>
+        <p:nvSpPr>
+          <p:cNvPr name="Freeform 2" id="2"/>
+          <p:cNvSpPr/>
+          <p:nvPr/>
+        </p:nvSpPr>
+        <p:spPr>
+          <a:xfrm flipH="false" flipV="false" rot="2016048">
+            <a:off x="12243487" y="-1005305"/>
+            <a:ext cx="10749463" cy="2687366"/>
+          </a:xfrm>
+          <a:custGeom>
+            <a:avLst/>
+            <a:gdLst/>
+            <a:ahLst/>
+            <a:cxnLst/>
+            <a:rect r="r" b="b" t="t" l="l"/>
+            <a:pathLst>
+              <a:path h="2687366" w="10749463">
+                <a:moveTo>
+                  <a:pt x="0" y="0"/>
+                </a:moveTo>
+                <a:lnTo>
+                  <a:pt x="10749463" y="0"/>
+                </a:lnTo>
+                <a:lnTo>
+                  <a:pt x="10749463" y="2687365"/>
+                </a:lnTo>
+                <a:lnTo>
+                  <a:pt x="0" y="2687365"/>
+                </a:lnTo>
+                <a:lnTo>
+                  <a:pt x="0" y="0"/>
+                </a:lnTo>
+                <a:close/>
+              </a:path>
+            </a:pathLst>
+          </a:custGeom>
+          <a:blipFill>
+            <a:blip r:embed="rId2">
+              <a:extLst>
+                <a:ext uri="{96DAC541-7B7A-43D3-8B79-37D633B846F1}">
+                  <asvg:svgBlip xmlns:asvg="http://schemas.microsoft.com/office/drawing/2016/SVG/main" r:embed="rId3"/>
+                </a:ext>
+              </a:extLst>
+            </a:blip>
+            <a:stretch>
+              <a:fillRect l="0" t="0" r="0" b="0"/>
+            </a:stretch>
+          </a:blipFill>
+        </p:spPr>
+      </p:sp>
+      <p:sp>
+        <p:nvSpPr>
+          <p:cNvPr name="Freeform 3" id="3"/>
+          <p:cNvSpPr/>
+          <p:nvPr/>
+        </p:nvSpPr>
+        <p:spPr>
+          <a:xfrm flipH="false" flipV="false" rot="7659121">
+            <a:off x="-4012602" y="5585714"/>
+            <a:ext cx="7629294" cy="7828566"/>
+          </a:xfrm>
+          <a:custGeom>
+            <a:avLst/>
+            <a:gdLst/>
+            <a:ahLst/>
+            <a:cxnLst/>
+            <a:rect r="r" b="b" t="t" l="l"/>
+            <a:pathLst>
+              <a:path h="7828566" w="7629294">
+                <a:moveTo>
+                  <a:pt x="0" y="0"/>
+                </a:moveTo>
+                <a:lnTo>
+                  <a:pt x="7629294" y="0"/>
+                </a:lnTo>
+                <a:lnTo>
+                  <a:pt x="7629294" y="7828566"/>
+                </a:lnTo>
+                <a:lnTo>
+                  <a:pt x="0" y="7828566"/>
+                </a:lnTo>
+                <a:lnTo>
+                  <a:pt x="0" y="0"/>
+                </a:lnTo>
+                <a:close/>
+              </a:path>
+            </a:pathLst>
+          </a:custGeom>
+          <a:blipFill>
+            <a:blip r:embed="rId4">
+              <a:extLst>
+                <a:ext uri="{96DAC541-7B7A-43D3-8B79-37D633B846F1}">
+                  <asvg:svgBlip xmlns:asvg="http://schemas.microsoft.com/office/drawing/2016/SVG/main" r:embed="rId5"/>
+                </a:ext>
+              </a:extLst>
+            </a:blip>
+            <a:stretch>
+              <a:fillRect l="0" t="0" r="0" b="0"/>
+            </a:stretch>
+          </a:blipFill>
+        </p:spPr>
+      </p:sp>
+      <p:sp>
+        <p:nvSpPr>
+          <p:cNvPr name="Freeform 4" id="4"/>
+          <p:cNvSpPr/>
+          <p:nvPr/>
+        </p:nvSpPr>
+        <p:spPr>
+          <a:xfrm flipH="false" flipV="false" rot="0">
+            <a:off x="11154087" y="0"/>
+            <a:ext cx="7133913" cy="4431943"/>
+          </a:xfrm>
+          <a:custGeom>
+            <a:avLst/>
+            <a:gdLst/>
+            <a:ahLst/>
+            <a:cxnLst/>
+            <a:rect r="r" b="b" t="t" l="l"/>
+            <a:pathLst>
+              <a:path h="4431943" w="7133913">
+                <a:moveTo>
+                  <a:pt x="0" y="0"/>
+                </a:moveTo>
+                <a:lnTo>
+                  <a:pt x="7133913" y="0"/>
+                </a:lnTo>
+                <a:lnTo>
+                  <a:pt x="7133913" y="4431943"/>
+                </a:lnTo>
+                <a:lnTo>
+                  <a:pt x="0" y="4431943"/>
+                </a:lnTo>
+                <a:lnTo>
+                  <a:pt x="0" y="0"/>
+                </a:lnTo>
+                <a:close/>
+              </a:path>
+            </a:pathLst>
+          </a:custGeom>
+          <a:blipFill>
+            <a:blip r:embed="rId6"/>
+            <a:stretch>
+              <a:fillRect l="0" t="0" r="0" b="0"/>
+            </a:stretch>
+          </a:blipFill>
+        </p:spPr>
+      </p:sp>
+      <p:sp>
+        <p:nvSpPr>
+          <p:cNvPr name="Freeform 5" id="5"/>
+          <p:cNvSpPr/>
+          <p:nvPr/>
+        </p:nvSpPr>
+        <p:spPr>
+          <a:xfrm flipH="false" flipV="false" rot="0">
+            <a:off x="8105293" y="4431943"/>
+            <a:ext cx="10182707" cy="5855057"/>
+          </a:xfrm>
+          <a:custGeom>
+            <a:avLst/>
+            <a:gdLst/>
+            <a:ahLst/>
+            <a:cxnLst/>
+            <a:rect r="r" b="b" t="t" l="l"/>
+            <a:pathLst>
+              <a:path h="5855057" w="10182707">
+                <a:moveTo>
+                  <a:pt x="0" y="0"/>
+                </a:moveTo>
+                <a:lnTo>
+                  <a:pt x="10182707" y="0"/>
+                </a:lnTo>
+                <a:lnTo>
+                  <a:pt x="10182707" y="5855057"/>
+                </a:lnTo>
+                <a:lnTo>
+                  <a:pt x="0" y="5855057"/>
+                </a:lnTo>
+                <a:lnTo>
+                  <a:pt x="0" y="0"/>
+                </a:lnTo>
+                <a:close/>
+              </a:path>
+            </a:pathLst>
+          </a:custGeom>
+          <a:blipFill>
+            <a:blip r:embed="rId7"/>
+            <a:stretch>
+              <a:fillRect l="0" t="0" r="0" b="0"/>
+            </a:stretch>
+          </a:blipFill>
+        </p:spPr>
+      </p:sp>
+      <p:sp>
+        <p:nvSpPr>
+          <p:cNvPr name="TextBox 6" id="6"/>
+          <p:cNvSpPr txBox="true"/>
+          <p:nvPr/>
+        </p:nvSpPr>
+        <p:spPr>
+          <a:xfrm rot="0">
+            <a:off x="241345" y="193791"/>
+            <a:ext cx="7729799" cy="1419464"/>
+          </a:xfrm>
+          <a:prstGeom prst="rect">
+            <a:avLst/>
+          </a:prstGeom>
+        </p:spPr>
+        <p:txBody>
+          <a:bodyPr anchor="t" rtlCol="false" tIns="0" lIns="0" bIns="0" rIns="0">
+            <a:spAutoFit/>
+          </a:bodyPr>
+          <a:lstStyle/>
+          <a:p>
+            <a:pPr algn="ctr">
+              <a:lnSpc>
+                <a:spcPts val="5735"/>
+              </a:lnSpc>
+            </a:pPr>
+            <a:r>
+              <a:rPr lang="en-US" sz="4156" spc="407">
+                <a:solidFill>
+                  <a:srgbClr val="231F20"/>
+                </a:solidFill>
+                <a:latin typeface="Oswald"/>
+                <a:ea typeface="Oswald"/>
+                <a:cs typeface="Oswald"/>
+                <a:sym typeface="Oswald"/>
+              </a:rPr>
+              <a:t>¿El </a:t>
+            </a:r>
+            <a:r>
+              <a:rPr lang="en-US" b="true" sz="4156" spc="407">
+                <a:solidFill>
+                  <a:srgbClr val="231F20"/>
+                </a:solidFill>
+                <a:latin typeface="Oswald Bold"/>
+                <a:ea typeface="Oswald Bold"/>
+                <a:cs typeface="Oswald Bold"/>
+                <a:sym typeface="Oswald Bold"/>
+              </a:rPr>
+              <a:t>año</a:t>
+            </a:r>
+            <a:r>
+              <a:rPr lang="en-US" sz="4156" spc="407">
+                <a:solidFill>
+                  <a:srgbClr val="231F20"/>
+                </a:solidFill>
+                <a:latin typeface="Oswald"/>
+                <a:ea typeface="Oswald"/>
+                <a:cs typeface="Oswald"/>
+                <a:sym typeface="Oswald"/>
+              </a:rPr>
+              <a:t> de mi auto va a afectar en el valor?</a:t>
+            </a:r>
+          </a:p>
+        </p:txBody>
+      </p:sp>
+      <p:sp>
+        <p:nvSpPr>
+          <p:cNvPr name="TextBox 7" id="7"/>
+          <p:cNvSpPr txBox="true"/>
+          <p:nvPr/>
+        </p:nvSpPr>
+        <p:spPr>
+          <a:xfrm rot="0">
+            <a:off x="241345" y="2038837"/>
+            <a:ext cx="8479585" cy="2393107"/>
+          </a:xfrm>
+          <a:prstGeom prst="rect">
+            <a:avLst/>
+          </a:prstGeom>
+        </p:spPr>
+        <p:txBody>
+          <a:bodyPr anchor="t" rtlCol="false" tIns="0" lIns="0" bIns="0" rIns="0">
+            <a:spAutoFit/>
+          </a:bodyPr>
+          <a:lstStyle/>
+          <a:p>
+            <a:pPr algn="just">
+              <a:lnSpc>
+                <a:spcPts val="2734"/>
+              </a:lnSpc>
+            </a:pPr>
+            <a:r>
+              <a:rPr lang="en-US" sz="1981" spc="194">
+                <a:solidFill>
+                  <a:srgbClr val="231F20"/>
+                </a:solidFill>
+                <a:latin typeface="DM Sans"/>
+                <a:ea typeface="DM Sans"/>
+                <a:cs typeface="DM Sans"/>
+                <a:sym typeface="DM Sans"/>
+              </a:rPr>
+              <a:t>Como podemos observar en el gráfico a la derecha, podemos interpretar que mientras más antiguo sea el vehículo menor valor tendrá, pero ¿Por qué se puede ver que entre los autos de años de 1993 a 1998 el valor es mayor? Esto es debido a que se trata de modelos lujosos/exóticos o de colección. Sin embargo, en las cajas de 1997 y 1998 se encuentran autos con un precio bajo.</a:t>
             </a:r>
           </a:p>
         </p:txBody>
